--- a/20140820-why_perl_is_my_favourite_language.pptx
+++ b/20140820-why_perl_is_my_favourite_language.pptx
@@ -211,7 +211,7 @@
           <a:p>
             <a:fld id="{740616EA-7DD0-4941-A75A-3667382BAFA7}" type="datetimeFigureOut">
               <a:rPr lang="en-AU" smtClean="0"/>
-              <a:t>17/08/2014</a:t>
+              <a:t>6/06/2016</a:t>
             </a:fld>
             <a:endParaRPr lang="en-AU"/>
           </a:p>
@@ -377,7 +377,7 @@
           <a:p>
             <a:fld id="{587278A0-4A02-4D4B-A8AB-1E1752F8063F}" type="datetimeFigureOut">
               <a:rPr lang="en-AU" smtClean="0"/>
-              <a:t>17/08/2014</a:t>
+              <a:t>6/06/2016</a:t>
             </a:fld>
             <a:endParaRPr lang="en-AU"/>
           </a:p>
@@ -1457,7 +1457,7 @@
           <a:p>
             <a:fld id="{0EAB0777-4C60-462E-A92C-CDAFD498799C}" type="datetimeFigureOut">
               <a:rPr lang="en-US" smtClean="0"/>
-              <a:t>8/17/2014</a:t>
+              <a:t>6/6/2016</a:t>
             </a:fld>
             <a:endParaRPr lang="en-US"/>
           </a:p>
@@ -1626,7 +1626,7 @@
           <a:p>
             <a:fld id="{0EAB0777-4C60-462E-A92C-CDAFD498799C}" type="datetimeFigureOut">
               <a:rPr lang="en-US" smtClean="0"/>
-              <a:t>8/17/2014</a:t>
+              <a:t>6/6/2016</a:t>
             </a:fld>
             <a:endParaRPr lang="en-US"/>
           </a:p>
@@ -1872,7 +1872,7 @@
           <a:p>
             <a:fld id="{0EAB0777-4C60-462E-A92C-CDAFD498799C}" type="datetimeFigureOut">
               <a:rPr lang="en-US" smtClean="0"/>
-              <a:t>8/17/2014</a:t>
+              <a:t>6/6/2016</a:t>
             </a:fld>
             <a:endParaRPr lang="en-US"/>
           </a:p>
@@ -2140,7 +2140,7 @@
           <a:p>
             <a:fld id="{0EAB0777-4C60-462E-A92C-CDAFD498799C}" type="datetimeFigureOut">
               <a:rPr lang="en-US" smtClean="0"/>
-              <a:t>8/17/2014</a:t>
+              <a:t>6/6/2016</a:t>
             </a:fld>
             <a:endParaRPr lang="en-US"/>
           </a:p>
@@ -2522,7 +2522,7 @@
           <a:p>
             <a:fld id="{0EAB0777-4C60-462E-A92C-CDAFD498799C}" type="datetimeFigureOut">
               <a:rPr lang="en-US" smtClean="0"/>
-              <a:t>8/17/2014</a:t>
+              <a:t>6/6/2016</a:t>
             </a:fld>
             <a:endParaRPr lang="en-US"/>
           </a:p>
@@ -2676,7 +2676,7 @@
           <a:p>
             <a:fld id="{0EAB0777-4C60-462E-A92C-CDAFD498799C}" type="datetimeFigureOut">
               <a:rPr lang="en-US" smtClean="0"/>
-              <a:t>8/17/2014</a:t>
+              <a:t>6/6/2016</a:t>
             </a:fld>
             <a:endParaRPr lang="en-US"/>
           </a:p>
@@ -2770,7 +2770,7 @@
           <a:p>
             <a:fld id="{0EAB0777-4C60-462E-A92C-CDAFD498799C}" type="datetimeFigureOut">
               <a:rPr lang="en-US" smtClean="0"/>
-              <a:t>8/17/2014</a:t>
+              <a:t>6/6/2016</a:t>
             </a:fld>
             <a:endParaRPr lang="en-US"/>
           </a:p>
@@ -3035,7 +3035,7 @@
           <a:p>
             <a:fld id="{0EAB0777-4C60-462E-A92C-CDAFD498799C}" type="datetimeFigureOut">
               <a:rPr lang="en-US" smtClean="0"/>
-              <a:t>8/17/2014</a:t>
+              <a:t>6/6/2016</a:t>
             </a:fld>
             <a:endParaRPr lang="en-US"/>
           </a:p>
@@ -3518,7 +3518,7 @@
           <a:p>
             <a:fld id="{0EAB0777-4C60-462E-A92C-CDAFD498799C}" type="datetimeFigureOut">
               <a:rPr lang="en-US" smtClean="0"/>
-              <a:t>8/17/2014</a:t>
+              <a:t>6/6/2016</a:t>
             </a:fld>
             <a:endParaRPr lang="en-US"/>
           </a:p>
@@ -3994,7 +3994,7 @@
           <a:p>
             <a:fld id="{0EAB0777-4C60-462E-A92C-CDAFD498799C}" type="datetimeFigureOut">
               <a:rPr lang="en-US" smtClean="0"/>
-              <a:t>8/17/2014</a:t>
+              <a:t>6/6/2016</a:t>
             </a:fld>
             <a:endParaRPr lang="en-US"/>
           </a:p>
@@ -4173,7 +4173,7 @@
           <a:p>
             <a:fld id="{0EAB0777-4C60-462E-A92C-CDAFD498799C}" type="datetimeFigureOut">
               <a:rPr lang="en-US" smtClean="0"/>
-              <a:t>8/17/2014</a:t>
+              <a:t>6/6/2016</a:t>
             </a:fld>
             <a:endParaRPr lang="en-US"/>
           </a:p>
@@ -6816,7 +6816,7 @@
           <a:p>
             <a:fld id="{0EAB0777-4C60-462E-A92C-CDAFD498799C}" type="datetimeFigureOut">
               <a:rPr lang="en-US" smtClean="0"/>
-              <a:t>8/17/2014</a:t>
+              <a:t>6/6/2016</a:t>
             </a:fld>
             <a:endParaRPr lang="en-US"/>
           </a:p>
@@ -7507,11 +7507,7 @@
           <a:p>
             <a:r>
               <a:rPr lang="en-US" dirty="0" smtClean="0"/>
-              <a:t>20</a:t>
-            </a:r>
-            <a:r>
-              <a:rPr lang="en-US" dirty="0" smtClean="0"/>
-              <a:t>-Aug-2014</a:t>
+              <a:t>20-Aug-2014</a:t>
             </a:r>
             <a:endParaRPr lang="en-AU" dirty="0"/>
           </a:p>
@@ -7724,12 +7720,12 @@
           <a:p>
             <a:pPr lvl="1"/>
             <a:r>
-              <a:rPr lang="en-AU" dirty="0" err="1" smtClean="0"/>
-              <a:t>builtin</a:t>
+              <a:rPr lang="en-AU" dirty="0"/>
+              <a:t>b</a:t>
             </a:r>
             <a:r>
               <a:rPr lang="en-AU" dirty="0" smtClean="0"/>
-              <a:t> </a:t>
+              <a:t>uilt-in </a:t>
             </a:r>
             <a:r>
               <a:rPr lang="en-AU" dirty="0"/>
@@ -8103,7 +8099,25 @@
           <a:p>
             <a:r>
               <a:rPr lang="en-US" dirty="0" smtClean="0"/>
-              <a:t>Strengths: text manipulation, regular expressions, interfacing with other systems, concise code</a:t>
+              <a:t>Why I like </a:t>
+            </a:r>
+            <a:r>
+              <a:rPr lang="en-US" dirty="0" smtClean="0"/>
+              <a:t>P</a:t>
+            </a:r>
+            <a:r>
+              <a:rPr lang="en-US" dirty="0" smtClean="0"/>
+              <a:t>erl…</a:t>
+            </a:r>
+          </a:p>
+          <a:p>
+            <a:r>
+              <a:rPr lang="en-US" dirty="0" smtClean="0"/>
+              <a:t>Strengths</a:t>
+            </a:r>
+            <a:r>
+              <a:rPr lang="en-US" dirty="0" smtClean="0"/>
+              <a:t>: text manipulation, regular expressions, interfacing with other systems, concise code</a:t>
             </a:r>
           </a:p>
           <a:p>
@@ -8378,11 +8392,7 @@
             </a:r>
             <a:r>
               <a:rPr lang="en-US" dirty="0"/>
-              <a:t>is not </a:t>
-            </a:r>
-            <a:r>
-              <a:rPr lang="en-US" dirty="0"/>
-              <a:t>o</a:t>
+              <a:t>is not o</a:t>
             </a:r>
             <a:r>
               <a:rPr lang="en-US" dirty="0" smtClean="0"/>
@@ -9561,7 +9571,6 @@
               <a:rPr lang="en-US" dirty="0" smtClean="0"/>
               <a:t>What makes a good language</a:t>
             </a:r>
-            <a:endParaRPr lang="en-US" dirty="0" smtClean="0"/>
           </a:p>
           <a:p>
             <a:pPr lvl="1"/>
@@ -9569,7 +9578,6 @@
               <a:rPr lang="en-US" dirty="0" smtClean="0"/>
               <a:t>Objective aspects</a:t>
             </a:r>
-            <a:endParaRPr lang="en-US" dirty="0" smtClean="0"/>
           </a:p>
           <a:p>
             <a:pPr lvl="1"/>
@@ -9577,7 +9585,6 @@
               <a:rPr lang="en-US" dirty="0" smtClean="0"/>
               <a:t>Subjective aspects</a:t>
             </a:r>
-            <a:endParaRPr lang="en-US" dirty="0" smtClean="0"/>
           </a:p>
           <a:p>
             <a:r>
@@ -9598,7 +9605,6 @@
               <a:rPr lang="en-US" dirty="0" smtClean="0"/>
               <a:t>Take-home message</a:t>
             </a:r>
-            <a:endParaRPr lang="en-US" dirty="0" smtClean="0"/>
           </a:p>
         </p:txBody>
       </p:sp>
@@ -9904,11 +9910,7 @@
             </a:r>
             <a:r>
               <a:rPr lang="en-AU" dirty="0"/>
-              <a:t>or </a:t>
-            </a:r>
-            <a:r>
-              <a:rPr lang="en-AU" dirty="0"/>
-              <a:t>o</a:t>
+              <a:t>or o</a:t>
             </a:r>
             <a:r>
               <a:rPr lang="en-AU" dirty="0" smtClean="0"/>
@@ -10048,7 +10050,15 @@
             <a:pPr lvl="1"/>
             <a:r>
               <a:rPr lang="en-US" dirty="0" smtClean="0"/>
-              <a:t>I’ve given up on the silver bullet</a:t>
+              <a:t>I’ve given up </a:t>
+            </a:r>
+            <a:r>
+              <a:rPr lang="en-US" dirty="0" smtClean="0"/>
+              <a:t>looking for the </a:t>
+            </a:r>
+            <a:r>
+              <a:rPr lang="en-US" dirty="0" smtClean="0"/>
+              <a:t>silver bullet</a:t>
             </a:r>
             <a:endParaRPr lang="en-AU" dirty="0" smtClean="0"/>
           </a:p>
@@ -10069,8 +10079,8 @@
               <a:t>got no experience with MS languages: VB, VC++, C#, F# </a:t>
             </a:r>
             <a:r>
-              <a:rPr lang="en-AU" dirty="0" err="1"/>
-              <a:t>etc</a:t>
+              <a:rPr lang="en-AU" dirty="0" smtClean="0"/>
+              <a:t>etc.</a:t>
             </a:r>
             <a:endParaRPr lang="en-AU" dirty="0"/>
           </a:p>
@@ -10347,7 +10357,15 @@
             </a:r>
             <a:r>
               <a:rPr lang="en-US" i="1" dirty="0" smtClean="0"/>
-              <a:t>ut what if there is *no* way to solve your problem?</a:t>
+              <a:t>ut what if there </a:t>
+            </a:r>
+            <a:r>
+              <a:rPr lang="en-US" i="1" dirty="0" smtClean="0"/>
+              <a:t>is then </a:t>
+            </a:r>
+            <a:r>
+              <a:rPr lang="en-US" i="1" dirty="0" smtClean="0"/>
+              <a:t>*no* way to solve your problem?</a:t>
             </a:r>
             <a:endParaRPr lang="en-US" i="1" dirty="0"/>
           </a:p>
@@ -10380,16 +10398,8 @@
           <a:p>
             <a:pPr lvl="1"/>
             <a:r>
-              <a:rPr lang="en-US" dirty="0" err="1" smtClean="0"/>
-              <a:t>Etc</a:t>
-            </a:r>
-            <a:r>
               <a:rPr lang="en-US" dirty="0" smtClean="0"/>
-              <a:t> </a:t>
-            </a:r>
-            <a:r>
-              <a:rPr lang="en-US" dirty="0" err="1" smtClean="0"/>
-              <a:t>etc</a:t>
+              <a:t>Etc. etc.</a:t>
             </a:r>
             <a:endParaRPr lang="en-AU" dirty="0"/>
           </a:p>
@@ -10637,8 +10647,8 @@
           <a:p>
             <a:pPr lvl="2"/>
             <a:r>
-              <a:rPr lang="en-US" dirty="0" err="1" smtClean="0"/>
-              <a:t>etc</a:t>
+              <a:rPr lang="en-US" dirty="0" smtClean="0"/>
+              <a:t>Etc.</a:t>
             </a:r>
             <a:endParaRPr lang="en-AU" dirty="0"/>
           </a:p>
@@ -11419,8 +11429,8 @@
           <a:p>
             <a:pPr lvl="2"/>
             <a:r>
-              <a:rPr lang="en-AU" dirty="0" err="1" smtClean="0"/>
-              <a:t>extendability</a:t>
+              <a:rPr lang="en-AU" dirty="0" smtClean="0"/>
+              <a:t>extendibility</a:t>
             </a:r>
             <a:endParaRPr lang="en-AU" dirty="0"/>
           </a:p>
